--- a/static/slides/OSL640-Week2.pptx
+++ b/static/slides/OSL640-Week2.pptx
@@ -143,8 +143,8 @@
 <file path=ppt/revisionInfo.xml><?xml version="1.0" encoding="utf-8"?>
 <p1510:revInfo xmlns:a="http://schemas.openxmlformats.org/drawingml/2006/main" xmlns:r="http://schemas.openxmlformats.org/officeDocument/2006/relationships" xmlns:p1510="http://schemas.microsoft.com/office/powerpoint/2015/10/main">
   <p1510:revLst>
+    <p1510:client id="{3CCDCF1D-3263-48A5-B078-46E90BE75239}" v="18" dt="2021-07-22T00:40:24.831"/>
     <p1510:client id="{09D79E7D-176F-4D6D-95AE-44DF7A7CB350}" v="4" dt="2021-07-22T00:38:31.132"/>
-    <p1510:client id="{3CCDCF1D-3263-48A5-B078-46E90BE75239}" v="18" dt="2021-07-22T00:40:24.831"/>
     <p1510:client id="{7DD3F706-F825-4D10-ABD4-E50DA8B8E21C}" v="75" dt="2021-07-22T00:37:49.118"/>
     <p1510:client id="{CCA4FE6D-B734-4534-A240-62184B1FE48C}" v="12" dt="2021-07-22T00:18:31.435"/>
   </p1510:revLst>
@@ -379,7 +379,7 @@
           <a:p>
             <a:fld id="{92107E4A-59D9-C648-BC62-133DA4EC414F}" type="datetimeFigureOut">
               <a:rPr lang="en-US" smtClean="0"/>
-              <a:t>9/12/2021</a:t>
+              <a:t>8/4/2023</a:t>
             </a:fld>
             <a:endParaRPr lang="en-US"/>
           </a:p>
@@ -867,7 +867,7 @@
           <a:p>
             <a:fld id="{4AB1357F-A277-7442-BEE7-4FE250216E54}" type="datetimeFigureOut">
               <a:rPr lang="en-US" smtClean="0"/>
-              <a:t>9/12/2021</a:t>
+              <a:t>8/4/2023</a:t>
             </a:fld>
             <a:endParaRPr lang="en-US"/>
           </a:p>
@@ -1076,7 +1076,7 @@
           <a:p>
             <a:fld id="{4AB1357F-A277-7442-BEE7-4FE250216E54}" type="datetimeFigureOut">
               <a:rPr lang="en-US" smtClean="0"/>
-              <a:t>9/12/2021</a:t>
+              <a:t>8/4/2023</a:t>
             </a:fld>
             <a:endParaRPr lang="en-US"/>
           </a:p>
@@ -1289,7 +1289,7 @@
           <a:p>
             <a:fld id="{4AB1357F-A277-7442-BEE7-4FE250216E54}" type="datetimeFigureOut">
               <a:rPr lang="en-US" smtClean="0"/>
-              <a:t>9/12/2021</a:t>
+              <a:t>8/4/2023</a:t>
             </a:fld>
             <a:endParaRPr lang="en-US"/>
           </a:p>
@@ -1488,7 +1488,7 @@
           <a:p>
             <a:fld id="{4AB1357F-A277-7442-BEE7-4FE250216E54}" type="datetimeFigureOut">
               <a:rPr lang="en-US" smtClean="0"/>
-              <a:t>9/12/2021</a:t>
+              <a:t>8/4/2023</a:t>
             </a:fld>
             <a:endParaRPr lang="en-US"/>
           </a:p>
@@ -1766,7 +1766,7 @@
           <a:p>
             <a:fld id="{4AB1357F-A277-7442-BEE7-4FE250216E54}" type="datetimeFigureOut">
               <a:rPr lang="en-US" smtClean="0"/>
-              <a:t>9/12/2021</a:t>
+              <a:t>8/4/2023</a:t>
             </a:fld>
             <a:endParaRPr lang="en-US"/>
           </a:p>
@@ -2031,7 +2031,7 @@
           <a:p>
             <a:fld id="{4AB1357F-A277-7442-BEE7-4FE250216E54}" type="datetimeFigureOut">
               <a:rPr lang="en-US" smtClean="0"/>
-              <a:t>9/12/2021</a:t>
+              <a:t>8/4/2023</a:t>
             </a:fld>
             <a:endParaRPr lang="en-US"/>
           </a:p>
@@ -2444,7 +2444,7 @@
           <a:p>
             <a:fld id="{4AB1357F-A277-7442-BEE7-4FE250216E54}" type="datetimeFigureOut">
               <a:rPr lang="en-US" smtClean="0"/>
-              <a:t>9/12/2021</a:t>
+              <a:t>8/4/2023</a:t>
             </a:fld>
             <a:endParaRPr lang="en-US"/>
           </a:p>
@@ -2592,7 +2592,7 @@
           <a:p>
             <a:fld id="{4AB1357F-A277-7442-BEE7-4FE250216E54}" type="datetimeFigureOut">
               <a:rPr lang="en-US" smtClean="0"/>
-              <a:t>9/12/2021</a:t>
+              <a:t>8/4/2023</a:t>
             </a:fld>
             <a:endParaRPr lang="en-US"/>
           </a:p>
@@ -2718,7 +2718,7 @@
           <a:p>
             <a:fld id="{4AB1357F-A277-7442-BEE7-4FE250216E54}" type="datetimeFigureOut">
               <a:rPr lang="en-US" smtClean="0"/>
-              <a:t>9/12/2021</a:t>
+              <a:t>8/4/2023</a:t>
             </a:fld>
             <a:endParaRPr lang="en-US"/>
           </a:p>
@@ -2967,7 +2967,7 @@
           <a:p>
             <a:fld id="{4AB1357F-A277-7442-BEE7-4FE250216E54}" type="datetimeFigureOut">
               <a:rPr lang="en-US" smtClean="0"/>
-              <a:t>9/12/2021</a:t>
+              <a:t>8/4/2023</a:t>
             </a:fld>
             <a:endParaRPr lang="en-US"/>
           </a:p>
@@ -3410,7 +3410,7 @@
           <a:p>
             <a:fld id="{4AB1357F-A277-7442-BEE7-4FE250216E54}" type="datetimeFigureOut">
               <a:rPr lang="en-US" smtClean="0"/>
-              <a:t>9/12/2021</a:t>
+              <a:t>8/4/2023</a:t>
             </a:fld>
             <a:endParaRPr lang="en-US"/>
           </a:p>
@@ -3735,7 +3735,7 @@
           <a:p>
             <a:fld id="{4AB1357F-A277-7442-BEE7-4FE250216E54}" type="datetimeFigureOut">
               <a:rPr lang="en-US" smtClean="0"/>
-              <a:t>9/12/2021</a:t>
+              <a:t>8/4/2023</a:t>
             </a:fld>
             <a:endParaRPr lang="en-US"/>
           </a:p>
@@ -10624,71 +10624,79 @@
               <a:buNone/>
             </a:pPr>
             <a:r>
-              <a:rPr lang="en-CA" sz="2200" b="1">
+              <a:rPr lang="en-CA" sz="2200" b="1" dirty="0">
                 <a:latin typeface="Courier New" panose="02070309020205020404" pitchFamily="49" charset="0"/>
                 <a:cs typeface="Courier New" panose="02070309020205020404" pitchFamily="49" charset="0"/>
               </a:rPr>
               <a:t>vi</a:t>
             </a:r>
             <a:r>
-              <a:rPr lang="en-CA" sz="2200" b="1"/>
+              <a:rPr lang="en-CA" sz="2200" b="1" dirty="0"/>
               <a:t>  Text Editor</a:t>
             </a:r>
             <a:br>
-              <a:rPr lang="en-CA" sz="2200"/>
+              <a:rPr lang="en-CA" sz="2200" dirty="0"/>
             </a:br>
-            <a:endParaRPr lang="en-CA" sz="2200"/>
+            <a:endParaRPr lang="en-CA" sz="2200" dirty="0"/>
           </a:p>
           <a:p>
             <a:pPr marL="0" indent="0">
               <a:buNone/>
             </a:pPr>
             <a:r>
-              <a:rPr lang="en-CA" sz="1900"/>
+              <a:rPr lang="en-CA" sz="1900" dirty="0"/>
               <a:t>The </a:t>
             </a:r>
             <a:r>
-              <a:rPr lang="en-CA" sz="1900" b="1"/>
+              <a:rPr lang="en-CA" sz="1900" b="1" dirty="0"/>
               <a:t>vi</a:t>
             </a:r>
             <a:r>
-              <a:rPr lang="en-CA" sz="1900"/>
+              <a:rPr lang="en-CA" sz="1900" dirty="0"/>
               <a:t> (</a:t>
             </a:r>
             <a:r>
-              <a:rPr lang="en-CA" sz="1900" b="1"/>
+              <a:rPr lang="en-CA" sz="1900" b="1" dirty="0"/>
               <a:t>vim</a:t>
             </a:r>
             <a:r>
-              <a:rPr lang="en-CA" sz="1900"/>
+              <a:rPr lang="en-CA" sz="1900" dirty="0"/>
               <a:t>) text editor (although taking longer to learn) </a:t>
             </a:r>
             <a:br>
-              <a:rPr lang="en-CA" sz="1900"/>
+              <a:rPr lang="en-CA" sz="1900" dirty="0"/>
             </a:br>
             <a:r>
-              <a:rPr lang="en-CA" sz="1900"/>
+              <a:rPr lang="en-CA" sz="1900" dirty="0"/>
               <a:t>has outstanding features to increase coding productivity..</a:t>
             </a:r>
             <a:br>
-              <a:rPr lang="en-CA" sz="1900"/>
+              <a:rPr lang="en-CA" sz="1900" dirty="0"/>
             </a:br>
-            <a:endParaRPr lang="en-CA" sz="1900"/>
+            <a:endParaRPr lang="en-CA" sz="1900" dirty="0"/>
           </a:p>
           <a:p>
             <a:pPr marL="0" indent="0">
               <a:buNone/>
             </a:pPr>
             <a:r>
-              <a:rPr lang="en-CA" sz="1900"/>
-              <a:t>The major different between nano and vi is that </a:t>
-            </a:r>
-            <a:r>
-              <a:rPr lang="en-CA" sz="1900" b="1"/>
+              <a:rPr lang="en-CA" sz="1900" dirty="0"/>
+              <a:t>The major different between </a:t>
+            </a:r>
+            <a:r>
+              <a:rPr lang="en-CA" sz="1900" dirty="0" err="1"/>
+              <a:t>nano</a:t>
+            </a:r>
+            <a:r>
+              <a:rPr lang="en-CA" sz="1900" dirty="0"/>
+              <a:t> and vi is that </a:t>
+            </a:r>
+            <a:r>
+              <a:rPr lang="en-CA" sz="1900" b="1" dirty="0"/>
               <a:t>vi starts in COMMAND LINE mode</a:t>
             </a:r>
             <a:r>
-              <a:rPr lang="en-CA" sz="1900"/>
+              <a:rPr lang="en-CA" sz="1900" dirty="0"/>
               <a:t>.  You need to issue letter commands to perform text editing or press colon  “: ”  to enter last line mode to issue more complex commands. </a:t>
             </a:r>
           </a:p>
@@ -10697,15 +10705,15 @@
               <a:buNone/>
             </a:pPr>
             <a:r>
-              <a:rPr lang="en-CA" sz="1900"/>
+              <a:rPr lang="en-CA" sz="1900" dirty="0"/>
               <a:t>To make it easier to learn how to use this text editor, an </a:t>
             </a:r>
             <a:r>
-              <a:rPr lang="en-CA" sz="1900" b="1"/>
+              <a:rPr lang="en-CA" sz="1900" b="1" dirty="0"/>
               <a:t>online tutorial</a:t>
             </a:r>
             <a:r>
-              <a:rPr lang="en-CA" sz="1900"/>
+              <a:rPr lang="en-CA" sz="1900" dirty="0"/>
               <a:t> was created (two decades ago) to provide you "hands-on" experience in command editing techniques.</a:t>
             </a:r>
           </a:p>
@@ -10714,14 +10722,14 @@
               <a:buNone/>
             </a:pPr>
             <a:r>
-              <a:rPr lang="en-CA" sz="1900"/>
+              <a:rPr lang="en-CA" sz="1900" dirty="0"/>
               <a:t>To run this tutorial, issue the following command in Matrix:</a:t>
             </a:r>
             <a:br>
-              <a:rPr lang="en-CA" sz="1900"/>
+              <a:rPr lang="en-CA" sz="1900" dirty="0"/>
             </a:br>
             <a:r>
-              <a:rPr lang="en-CA" sz="1900" b="1">
+              <a:rPr lang="en-CA" sz="1900" b="1" dirty="0">
                 <a:solidFill>
                   <a:srgbClr val="0070C0"/>
                 </a:solidFill>
@@ -10729,15 +10737,15 @@
               <a:t>/home/</a:t>
             </a:r>
             <a:r>
-              <a:rPr lang="en-CA" sz="1900" b="1" err="1">
+              <a:rPr lang="en-CA" sz="1900" b="1" dirty="0" err="1">
                 <a:solidFill>
                   <a:srgbClr val="0070C0"/>
                 </a:solidFill>
               </a:rPr>
-              <a:t>murray.saul</a:t>
-            </a:r>
-            <a:r>
-              <a:rPr lang="en-CA" sz="1900" b="1">
+              <a:t>Jason.carman</a:t>
+            </a:r>
+            <a:r>
+              <a:rPr lang="en-CA" sz="1900" b="1" dirty="0">
                 <a:solidFill>
                   <a:srgbClr val="0070C0"/>
                 </a:solidFill>
@@ -10745,13 +10753,13 @@
               <a:t>/vi-tutorial</a:t>
             </a:r>
             <a:br>
-              <a:rPr lang="en-CA" sz="1900" b="1">
+              <a:rPr lang="en-CA" sz="1900" b="1" dirty="0">
                 <a:solidFill>
                   <a:srgbClr val="0070C0"/>
                 </a:solidFill>
               </a:rPr>
             </a:br>
-            <a:endParaRPr lang="en-CA" sz="1900" b="1">
+            <a:endParaRPr lang="en-CA" sz="1900" b="1" dirty="0">
               <a:solidFill>
                 <a:srgbClr val="0070C0"/>
               </a:solidFill>
@@ -10762,29 +10770,29 @@
               <a:buNone/>
             </a:pPr>
             <a:r>
-              <a:rPr lang="en-CA" sz="1900"/>
+              <a:rPr lang="en-CA" sz="1900" dirty="0"/>
               <a:t>You can refer to your </a:t>
             </a:r>
             <a:r>
-              <a:rPr lang="en-CA" sz="1900" b="1"/>
+              <a:rPr lang="en-CA" sz="1900" b="1" dirty="0"/>
               <a:t>week 2 notes </a:t>
             </a:r>
             <a:r>
-              <a:rPr lang="en-CA" sz="1900"/>
+              <a:rPr lang="en-CA" sz="1900" dirty="0"/>
               <a:t>for a </a:t>
             </a:r>
             <a:br>
-              <a:rPr lang="en-CA" sz="1900"/>
+              <a:rPr lang="en-CA" sz="1900" dirty="0"/>
             </a:br>
             <a:r>
-              <a:rPr lang="en-CA" sz="1900" b="1"/>
+              <a:rPr lang="en-CA" sz="1900" b="1" dirty="0"/>
               <a:t>vi command reference sheet</a:t>
             </a:r>
             <a:r>
-              <a:rPr lang="en-CA" sz="1900"/>
+              <a:rPr lang="en-CA" sz="1900" dirty="0"/>
               <a:t>.</a:t>
             </a:r>
-            <a:endParaRPr lang="en-US" sz="1900"/>
+            <a:endParaRPr lang="en-US" sz="1900" dirty="0"/>
           </a:p>
         </p:txBody>
       </p:sp>
@@ -19855,6 +19863,14 @@
 </file>
 
 <file path=customXml/item1.xml><?xml version="1.0" encoding="utf-8"?>
+<p:properties xmlns:p="http://schemas.microsoft.com/office/2006/metadata/properties" xmlns:xsi="http://www.w3.org/2001/XMLSchema-instance" xmlns:pc="http://schemas.microsoft.com/office/infopath/2007/PartnerControls">
+  <documentManagement>
+    <Topic xmlns="83d6e24e-72d9-475f-86bc-baec43385f3c" xsi:nil="true"/>
+  </documentManagement>
+</p:properties>
+</file>
+
+<file path=customXml/item2.xml><?xml version="1.0" encoding="utf-8"?>
 <ct:contentTypeSchema xmlns:ct="http://schemas.microsoft.com/office/2006/metadata/contentType" xmlns:ma="http://schemas.microsoft.com/office/2006/metadata/properties/metaAttributes" ct:_="" ma:_="" ma:contentTypeName="Document" ma:contentTypeID="0x01010056452DA2941485459CFE4F1403BD78A3" ma:contentTypeVersion="9" ma:contentTypeDescription="Create a new document." ma:contentTypeScope="" ma:versionID="357b321f808c3dafe873831e74252754">
   <xsd:schema xmlns:xsd="http://www.w3.org/2001/XMLSchema" xmlns:xs="http://www.w3.org/2001/XMLSchema" xmlns:p="http://schemas.microsoft.com/office/2006/metadata/properties" xmlns:ns2="83d6e24e-72d9-475f-86bc-baec43385f3c" targetNamespace="http://schemas.microsoft.com/office/2006/metadata/properties" ma:root="true" ma:fieldsID="420a8f89f5a6e51c7100d689e8b47153" ns2:_="">
     <xsd:import namespace="83d6e24e-72d9-475f-86bc-baec43385f3c"/>
@@ -20034,14 +20050,6 @@
 </ct:contentTypeSchema>
 </file>
 
-<file path=customXml/item2.xml><?xml version="1.0" encoding="utf-8"?>
-<p:properties xmlns:p="http://schemas.microsoft.com/office/2006/metadata/properties" xmlns:xsi="http://www.w3.org/2001/XMLSchema-instance" xmlns:pc="http://schemas.microsoft.com/office/infopath/2007/PartnerControls">
-  <documentManagement>
-    <Topic xmlns="83d6e24e-72d9-475f-86bc-baec43385f3c" xsi:nil="true"/>
-  </documentManagement>
-</p:properties>
-</file>
-
 <file path=customXml/item3.xml><?xml version="1.0" encoding="utf-8"?>
 <?mso-contentType ?>
 <FormTemplates xmlns="http://schemas.microsoft.com/sharepoint/v3/contenttype/forms">
@@ -20052,6 +20060,22 @@
 </file>
 
 <file path=customXml/itemProps1.xml><?xml version="1.0" encoding="utf-8"?>
+<ds:datastoreItem xmlns:ds="http://schemas.openxmlformats.org/officeDocument/2006/customXml" ds:itemID="{222445CB-8E4A-4DA3-B8EA-1F9B2F651B7F}">
+  <ds:schemaRefs>
+    <ds:schemaRef ds:uri="http://purl.org/dc/elements/1.1/"/>
+    <ds:schemaRef ds:uri="http://schemas.microsoft.com/office/infopath/2007/PartnerControls"/>
+    <ds:schemaRef ds:uri="http://www.w3.org/XML/1998/namespace"/>
+    <ds:schemaRef ds:uri="83d6e24e-72d9-475f-86bc-baec43385f3c"/>
+    <ds:schemaRef ds:uri="http://schemas.microsoft.com/office/2006/documentManagement/types"/>
+    <ds:schemaRef ds:uri="http://schemas.openxmlformats.org/package/2006/metadata/core-properties"/>
+    <ds:schemaRef ds:uri="http://purl.org/dc/terms/"/>
+    <ds:schemaRef ds:uri="http://purl.org/dc/dcmitype/"/>
+    <ds:schemaRef ds:uri="http://schemas.microsoft.com/office/2006/metadata/properties"/>
+  </ds:schemaRefs>
+</ds:datastoreItem>
+</file>
+
+<file path=customXml/itemProps2.xml><?xml version="1.0" encoding="utf-8"?>
 <ds:datastoreItem xmlns:ds="http://schemas.openxmlformats.org/officeDocument/2006/customXml" ds:itemID="{CF79CA75-B953-4CE4-AD58-FD5D6647B784}">
   <ds:schemaRefs>
     <ds:schemaRef ds:uri="http://schemas.microsoft.com/office/2006/metadata/contentType"/>
@@ -20069,22 +20093,6 @@
 </ds:datastoreItem>
 </file>
 
-<file path=customXml/itemProps2.xml><?xml version="1.0" encoding="utf-8"?>
-<ds:datastoreItem xmlns:ds="http://schemas.openxmlformats.org/officeDocument/2006/customXml" ds:itemID="{222445CB-8E4A-4DA3-B8EA-1F9B2F651B7F}">
-  <ds:schemaRefs>
-    <ds:schemaRef ds:uri="http://purl.org/dc/elements/1.1/"/>
-    <ds:schemaRef ds:uri="http://schemas.microsoft.com/office/infopath/2007/PartnerControls"/>
-    <ds:schemaRef ds:uri="http://www.w3.org/XML/1998/namespace"/>
-    <ds:schemaRef ds:uri="83d6e24e-72d9-475f-86bc-baec43385f3c"/>
-    <ds:schemaRef ds:uri="http://schemas.microsoft.com/office/2006/documentManagement/types"/>
-    <ds:schemaRef ds:uri="http://schemas.openxmlformats.org/package/2006/metadata/core-properties"/>
-    <ds:schemaRef ds:uri="http://purl.org/dc/terms/"/>
-    <ds:schemaRef ds:uri="http://purl.org/dc/dcmitype/"/>
-    <ds:schemaRef ds:uri="http://schemas.microsoft.com/office/2006/metadata/properties"/>
-  </ds:schemaRefs>
-</ds:datastoreItem>
-</file>
-
 <file path=customXml/itemProps3.xml><?xml version="1.0" encoding="utf-8"?>
 <ds:datastoreItem xmlns:ds="http://schemas.openxmlformats.org/officeDocument/2006/customXml" ds:itemID="{D46A02A7-DD7F-456B-A29E-F427985D0673}">
   <ds:schemaRefs>
